--- a/Presentación1.pptx
+++ b/Presentación1.pptx
@@ -20,10 +20,11 @@
     <p:sldId id="274" r:id="rId14"/>
     <p:sldId id="275" r:id="rId15"/>
     <p:sldId id="276" r:id="rId16"/>
-    <p:sldId id="277" r:id="rId17"/>
-    <p:sldId id="260" r:id="rId18"/>
-    <p:sldId id="268" r:id="rId19"/>
-    <p:sldId id="267" r:id="rId20"/>
+    <p:sldId id="278" r:id="rId17"/>
+    <p:sldId id="277" r:id="rId18"/>
+    <p:sldId id="260" r:id="rId19"/>
+    <p:sldId id="268" r:id="rId20"/>
+    <p:sldId id="267" r:id="rId21"/>
   </p:sldIdLst>
   <p:sldSz cx="12192000" cy="6858000"/>
   <p:notesSz cx="6858000" cy="9144000"/>
@@ -1473,21 +1474,21 @@
     </dgm:pt>
   </dgm:ptLst>
   <dgm:cxnLst>
-    <dgm:cxn modelId="{786F0279-F69F-4B48-BDE6-1D944EB14714}" srcId="{1C26B734-598F-491F-A471-BCEFA4970754}" destId="{7A9032A0-3D3E-4C7C-8CCE-A5DBA0C945E0}" srcOrd="0" destOrd="0" parTransId="{1EBED0FF-3443-40C8-A0B1-E2DBF711D1B0}" sibTransId="{C72CC5F3-2CEC-440D-A2A6-AECE2E7F22EC}"/>
+    <dgm:cxn modelId="{C32BDDC4-AC4E-4684-8DDB-D429FF43CEF2}" type="presOf" srcId="{1C26B734-598F-491F-A471-BCEFA4970754}" destId="{33087915-68B3-4169-80B3-CD81817D5858}" srcOrd="0" destOrd="0" presId="urn:microsoft.com/office/officeart/2005/8/layout/cycle5"/>
     <dgm:cxn modelId="{B3F34908-4703-45A8-8242-BC32EA997DC8}" type="presOf" srcId="{C72CC5F3-2CEC-440D-A2A6-AECE2E7F22EC}" destId="{E0C1CFA0-2C76-41AB-9EC1-E86F5C3443DB}" srcOrd="0" destOrd="0" presId="urn:microsoft.com/office/officeart/2005/8/layout/cycle5"/>
+    <dgm:cxn modelId="{C9D822AB-1EE4-4D9B-9BCD-027DD80D339F}" srcId="{1C26B734-598F-491F-A471-BCEFA4970754}" destId="{6574E43E-FDFD-4EB5-AD19-BDE775983B4B}" srcOrd="4" destOrd="0" parTransId="{B13A0BDB-FECF-4E0B-8314-D708246742C7}" sibTransId="{1037A08B-F7CF-404A-AE3F-8228BF4FE630}"/>
+    <dgm:cxn modelId="{63788545-94A6-4022-8BD7-77DCAA01556B}" type="presOf" srcId="{600AF5F9-A807-49F3-8C7D-907213265412}" destId="{3EB75AC5-45B6-475C-A532-2050CEF94967}" srcOrd="0" destOrd="0" presId="urn:microsoft.com/office/officeart/2005/8/layout/cycle5"/>
     <dgm:cxn modelId="{2F89BAFB-9ED1-4229-9EF5-20BA5ED1D960}" srcId="{1C26B734-598F-491F-A471-BCEFA4970754}" destId="{EB0618A3-0314-486E-9516-492FAB2A27B2}" srcOrd="1" destOrd="0" parTransId="{36883D23-8D29-471C-8FE3-1388C60B968E}" sibTransId="{D4D920FF-1113-4BA2-89B9-9A5CC2334A00}"/>
     <dgm:cxn modelId="{95D7B2E1-E963-4AA4-AE99-5B7B520B53A1}" srcId="{1C26B734-598F-491F-A471-BCEFA4970754}" destId="{239CB355-3FD5-49FD-80CD-205664CBE2C8}" srcOrd="3" destOrd="0" parTransId="{19340358-7CBD-4AA5-BA20-01FB9777E789}" sibTransId="{AB7FC524-E48E-46FA-8338-C459CF79A571}"/>
+    <dgm:cxn modelId="{69C0226D-EC2F-4F04-9FB1-26A6ECD85E24}" type="presOf" srcId="{D4D920FF-1113-4BA2-89B9-9A5CC2334A00}" destId="{8B42D084-9B01-4C4B-B249-7ED6053885B8}" srcOrd="0" destOrd="0" presId="urn:microsoft.com/office/officeart/2005/8/layout/cycle5"/>
+    <dgm:cxn modelId="{AD88335F-028D-44E6-A821-4EF74EABD777}" srcId="{1C26B734-598F-491F-A471-BCEFA4970754}" destId="{1AA30CE5-67F0-4B80-9212-C3B57956D0FB}" srcOrd="2" destOrd="0" parTransId="{15054CA3-DF9F-4882-B8A4-BC8642802D35}" sibTransId="{600AF5F9-A807-49F3-8C7D-907213265412}"/>
+    <dgm:cxn modelId="{893E962C-2080-4FAE-9F1E-BEDCE8287281}" type="presOf" srcId="{7A9032A0-3D3E-4C7C-8CCE-A5DBA0C945E0}" destId="{4908B619-290F-44B7-AD61-A2B8D5C5676F}" srcOrd="0" destOrd="0" presId="urn:microsoft.com/office/officeart/2005/8/layout/cycle5"/>
+    <dgm:cxn modelId="{365E345D-CA76-4838-A40C-C81C9451A309}" type="presOf" srcId="{1037A08B-F7CF-404A-AE3F-8228BF4FE630}" destId="{96CD18D4-F27E-4104-93BD-41E789820554}" srcOrd="0" destOrd="0" presId="urn:microsoft.com/office/officeart/2005/8/layout/cycle5"/>
+    <dgm:cxn modelId="{2CE76FE7-A8F5-4AB9-9213-1D3B28F3D187}" type="presOf" srcId="{239CB355-3FD5-49FD-80CD-205664CBE2C8}" destId="{F22E24BC-B6B5-4506-8490-DF36713FAE21}" srcOrd="0" destOrd="0" presId="urn:microsoft.com/office/officeart/2005/8/layout/cycle5"/>
+    <dgm:cxn modelId="{786F0279-F69F-4B48-BDE6-1D944EB14714}" srcId="{1C26B734-598F-491F-A471-BCEFA4970754}" destId="{7A9032A0-3D3E-4C7C-8CCE-A5DBA0C945E0}" srcOrd="0" destOrd="0" parTransId="{1EBED0FF-3443-40C8-A0B1-E2DBF711D1B0}" sibTransId="{C72CC5F3-2CEC-440D-A2A6-AECE2E7F22EC}"/>
+    <dgm:cxn modelId="{BEE06324-AC9C-4915-949C-71283E443286}" type="presOf" srcId="{6574E43E-FDFD-4EB5-AD19-BDE775983B4B}" destId="{18BFBF90-2DAB-4839-857A-5B417933945D}" srcOrd="0" destOrd="0" presId="urn:microsoft.com/office/officeart/2005/8/layout/cycle5"/>
     <dgm:cxn modelId="{71E6BC32-D859-40DA-A71A-49A2722161A6}" type="presOf" srcId="{AB7FC524-E48E-46FA-8338-C459CF79A571}" destId="{2B8F11A6-0C14-4269-BE7F-1AA07654567F}" srcOrd="0" destOrd="0" presId="urn:microsoft.com/office/officeart/2005/8/layout/cycle5"/>
-    <dgm:cxn modelId="{2CE76FE7-A8F5-4AB9-9213-1D3B28F3D187}" type="presOf" srcId="{239CB355-3FD5-49FD-80CD-205664CBE2C8}" destId="{F22E24BC-B6B5-4506-8490-DF36713FAE21}" srcOrd="0" destOrd="0" presId="urn:microsoft.com/office/officeart/2005/8/layout/cycle5"/>
-    <dgm:cxn modelId="{63788545-94A6-4022-8BD7-77DCAA01556B}" type="presOf" srcId="{600AF5F9-A807-49F3-8C7D-907213265412}" destId="{3EB75AC5-45B6-475C-A532-2050CEF94967}" srcOrd="0" destOrd="0" presId="urn:microsoft.com/office/officeart/2005/8/layout/cycle5"/>
-    <dgm:cxn modelId="{AD88335F-028D-44E6-A821-4EF74EABD777}" srcId="{1C26B734-598F-491F-A471-BCEFA4970754}" destId="{1AA30CE5-67F0-4B80-9212-C3B57956D0FB}" srcOrd="2" destOrd="0" parTransId="{15054CA3-DF9F-4882-B8A4-BC8642802D35}" sibTransId="{600AF5F9-A807-49F3-8C7D-907213265412}"/>
-    <dgm:cxn modelId="{69C0226D-EC2F-4F04-9FB1-26A6ECD85E24}" type="presOf" srcId="{D4D920FF-1113-4BA2-89B9-9A5CC2334A00}" destId="{8B42D084-9B01-4C4B-B249-7ED6053885B8}" srcOrd="0" destOrd="0" presId="urn:microsoft.com/office/officeart/2005/8/layout/cycle5"/>
-    <dgm:cxn modelId="{893E962C-2080-4FAE-9F1E-BEDCE8287281}" type="presOf" srcId="{7A9032A0-3D3E-4C7C-8CCE-A5DBA0C945E0}" destId="{4908B619-290F-44B7-AD61-A2B8D5C5676F}" srcOrd="0" destOrd="0" presId="urn:microsoft.com/office/officeart/2005/8/layout/cycle5"/>
-    <dgm:cxn modelId="{C32BDDC4-AC4E-4684-8DDB-D429FF43CEF2}" type="presOf" srcId="{1C26B734-598F-491F-A471-BCEFA4970754}" destId="{33087915-68B3-4169-80B3-CD81817D5858}" srcOrd="0" destOrd="0" presId="urn:microsoft.com/office/officeart/2005/8/layout/cycle5"/>
     <dgm:cxn modelId="{A72F5ED1-6F0D-4A1F-AF77-F6732E3972B3}" type="presOf" srcId="{1AA30CE5-67F0-4B80-9212-C3B57956D0FB}" destId="{7E0092B2-48CF-4A5F-8318-1C76B3FA64EF}" srcOrd="0" destOrd="0" presId="urn:microsoft.com/office/officeart/2005/8/layout/cycle5"/>
-    <dgm:cxn modelId="{BEE06324-AC9C-4915-949C-71283E443286}" type="presOf" srcId="{6574E43E-FDFD-4EB5-AD19-BDE775983B4B}" destId="{18BFBF90-2DAB-4839-857A-5B417933945D}" srcOrd="0" destOrd="0" presId="urn:microsoft.com/office/officeart/2005/8/layout/cycle5"/>
-    <dgm:cxn modelId="{365E345D-CA76-4838-A40C-C81C9451A309}" type="presOf" srcId="{1037A08B-F7CF-404A-AE3F-8228BF4FE630}" destId="{96CD18D4-F27E-4104-93BD-41E789820554}" srcOrd="0" destOrd="0" presId="urn:microsoft.com/office/officeart/2005/8/layout/cycle5"/>
-    <dgm:cxn modelId="{C9D822AB-1EE4-4D9B-9BCD-027DD80D339F}" srcId="{1C26B734-598F-491F-A471-BCEFA4970754}" destId="{6574E43E-FDFD-4EB5-AD19-BDE775983B4B}" srcOrd="4" destOrd="0" parTransId="{B13A0BDB-FECF-4E0B-8314-D708246742C7}" sibTransId="{1037A08B-F7CF-404A-AE3F-8228BF4FE630}"/>
     <dgm:cxn modelId="{DCF17E35-E058-4840-B3C2-EE4F6FEB9696}" type="presOf" srcId="{EB0618A3-0314-486E-9516-492FAB2A27B2}" destId="{1A967B55-BC19-4A86-8236-C87B5761D644}" srcOrd="0" destOrd="0" presId="urn:microsoft.com/office/officeart/2005/8/layout/cycle5"/>
     <dgm:cxn modelId="{8866B61A-CBD4-4FDE-A124-D97B0E6F4BDA}" type="presParOf" srcId="{33087915-68B3-4169-80B3-CD81817D5858}" destId="{4908B619-290F-44B7-AD61-A2B8D5C5676F}" srcOrd="0" destOrd="0" presId="urn:microsoft.com/office/officeart/2005/8/layout/cycle5"/>
     <dgm:cxn modelId="{661F6698-6C5C-4308-A3C2-5CA3CD69C990}" type="presParOf" srcId="{33087915-68B3-4169-80B3-CD81817D5858}" destId="{1ABB2B67-0B84-4ED7-96B2-A1849E3B4DB1}" srcOrd="1" destOrd="0" presId="urn:microsoft.com/office/officeart/2005/8/layout/cycle5"/>
@@ -10814,6 +10815,219 @@
                 </a:solidFill>
                 <a:latin typeface="Cambria" panose="02040503050406030204" pitchFamily="18" charset="0"/>
               </a:rPr>
+              <a:t>Conclusions</a:t>
+            </a:r>
+            <a:endParaRPr lang="es-ES" sz="4000" dirty="0">
+              <a:solidFill>
+                <a:schemeClr val="bg1"/>
+              </a:solidFill>
+              <a:latin typeface="Cambria" panose="02040503050406030204" pitchFamily="18" charset="0"/>
+            </a:endParaRPr>
+          </a:p>
+        </p:txBody>
+      </p:sp>
+      <p:sp>
+        <p:nvSpPr>
+          <p:cNvPr id="3" name="Subtítulo 2"/>
+          <p:cNvSpPr>
+            <a:spLocks noGrp="1"/>
+          </p:cNvSpPr>
+          <p:nvPr>
+            <p:ph type="subTitle" idx="1"/>
+          </p:nvPr>
+        </p:nvSpPr>
+        <p:spPr>
+          <a:xfrm>
+            <a:off x="701388" y="1175924"/>
+            <a:ext cx="5060784" cy="4404574"/>
+          </a:xfrm>
+        </p:spPr>
+        <p:txBody>
+          <a:bodyPr>
+            <a:normAutofit/>
+          </a:bodyPr>
+          <a:lstStyle/>
+          <a:p>
+            <a:pPr algn="l">
+              <a:lnSpc>
+                <a:spcPct val="150000"/>
+              </a:lnSpc>
+            </a:pPr>
+            <a:endParaRPr lang="en-US" i="1" dirty="0" smtClean="0">
+              <a:latin typeface="Cambria" panose="02040503050406030204" pitchFamily="18" charset="0"/>
+            </a:endParaRPr>
+          </a:p>
+        </p:txBody>
+      </p:sp>
+      <p:pic>
+        <p:nvPicPr>
+          <p:cNvPr id="1028" name="Picture 4" descr="http://4.bp.blogspot.com/-sVxjLXoGLsU/T-Q6Icoc49I/AAAAAAAAAIg/E3uSWVIRMgU/s1600/bgse+logo.jpg"/>
+          <p:cNvPicPr>
+            <a:picLocks noChangeAspect="1" noChangeArrowheads="1"/>
+          </p:cNvPicPr>
+          <p:nvPr/>
+        </p:nvPicPr>
+        <p:blipFill>
+          <a:blip r:embed="rId3" cstate="print">
+            <a:extLst>
+              <a:ext uri="{28A0092B-C50C-407E-A947-70E740481C1C}">
+                <a14:useLocalDpi xmlns:a14="http://schemas.microsoft.com/office/drawing/2010/main" val="0"/>
+              </a:ext>
+            </a:extLst>
+          </a:blip>
+          <a:srcRect/>
+          <a:stretch>
+            <a:fillRect/>
+          </a:stretch>
+        </p:blipFill>
+        <p:spPr bwMode="auto">
+          <a:xfrm>
+            <a:off x="0" y="6141371"/>
+            <a:ext cx="3953814" cy="716629"/>
+          </a:xfrm>
+          <a:prstGeom prst="rect">
+            <a:avLst/>
+          </a:prstGeom>
+          <a:noFill/>
+          <a:extLst>
+            <a:ext uri="{909E8E84-426E-40DD-AFC4-6F175D3DCCD1}">
+              <a14:hiddenFill xmlns:a14="http://schemas.microsoft.com/office/drawing/2010/main">
+                <a:solidFill>
+                  <a:srgbClr val="FFFFFF"/>
+                </a:solidFill>
+              </a14:hiddenFill>
+            </a:ext>
+          </a:extLst>
+        </p:spPr>
+      </p:pic>
+      <p:pic>
+        <p:nvPicPr>
+          <p:cNvPr id="4" name="Imagen 3"/>
+          <p:cNvPicPr>
+            <a:picLocks noChangeAspect="1"/>
+          </p:cNvPicPr>
+          <p:nvPr/>
+        </p:nvPicPr>
+        <p:blipFill>
+          <a:blip r:embed="rId4">
+            <a:extLst>
+              <a:ext uri="{28A0092B-C50C-407E-A947-70E740481C1C}">
+                <a14:useLocalDpi xmlns:a14="http://schemas.microsoft.com/office/drawing/2010/main" val="0"/>
+              </a:ext>
+            </a:extLst>
+          </a:blip>
+          <a:stretch>
+            <a:fillRect/>
+          </a:stretch>
+        </p:blipFill>
+        <p:spPr>
+          <a:xfrm>
+            <a:off x="3606084" y="1097725"/>
+            <a:ext cx="5950039" cy="4964806"/>
+          </a:xfrm>
+          <a:prstGeom prst="rect">
+            <a:avLst/>
+          </a:prstGeom>
+        </p:spPr>
+      </p:pic>
+    </p:spTree>
+    <p:extLst>
+      <p:ext uri="{BB962C8B-B14F-4D97-AF65-F5344CB8AC3E}">
+        <p14:creationId xmlns:p14="http://schemas.microsoft.com/office/powerpoint/2010/main" val="4292879226"/>
+      </p:ext>
+    </p:extLst>
+  </p:cSld>
+  <p:clrMapOvr>
+    <a:masterClrMapping/>
+  </p:clrMapOvr>
+  <p:transition spd="slow">
+    <p:push dir="u"/>
+  </p:transition>
+  <p:timing>
+    <p:tnLst>
+      <p:par>
+        <p:cTn id="1" dur="indefinite" restart="never" nodeType="tmRoot"/>
+      </p:par>
+    </p:tnLst>
+  </p:timing>
+</p:sld>
+</file>
+
+<file path=ppt/slides/slide17.xml><?xml version="1.0" encoding="utf-8"?>
+<p:sld xmlns:a="http://schemas.openxmlformats.org/drawingml/2006/main" xmlns:r="http://schemas.openxmlformats.org/officeDocument/2006/relationships" xmlns:p="http://schemas.openxmlformats.org/presentationml/2006/main">
+  <p:cSld>
+    <p:spTree>
+      <p:nvGrpSpPr>
+        <p:cNvPr id="1" name=""/>
+        <p:cNvGrpSpPr/>
+        <p:nvPr/>
+      </p:nvGrpSpPr>
+      <p:grpSpPr>
+        <a:xfrm>
+          <a:off x="0" y="0"/>
+          <a:ext cx="0" cy="0"/>
+          <a:chOff x="0" y="0"/>
+          <a:chExt cx="0" cy="0"/>
+        </a:xfrm>
+      </p:grpSpPr>
+      <p:pic>
+        <p:nvPicPr>
+          <p:cNvPr id="5" name="Imagen 4"/>
+          <p:cNvPicPr>
+            <a:picLocks noChangeAspect="1"/>
+          </p:cNvPicPr>
+          <p:nvPr/>
+        </p:nvPicPr>
+        <p:blipFill>
+          <a:blip r:embed="rId2"/>
+          <a:stretch>
+            <a:fillRect/>
+          </a:stretch>
+        </p:blipFill>
+        <p:spPr>
+          <a:xfrm>
+            <a:off x="0" y="334"/>
+            <a:ext cx="12192000" cy="772398"/>
+          </a:xfrm>
+          <a:prstGeom prst="rect">
+            <a:avLst/>
+          </a:prstGeom>
+        </p:spPr>
+      </p:pic>
+      <p:sp>
+        <p:nvSpPr>
+          <p:cNvPr id="2" name="Título 1"/>
+          <p:cNvSpPr>
+            <a:spLocks noGrp="1"/>
+          </p:cNvSpPr>
+          <p:nvPr>
+            <p:ph type="ctrTitle"/>
+          </p:nvPr>
+        </p:nvSpPr>
+        <p:spPr>
+          <a:xfrm>
+            <a:off x="324118" y="-38303"/>
+            <a:ext cx="11408536" cy="732195"/>
+          </a:xfrm>
+        </p:spPr>
+        <p:txBody>
+          <a:bodyPr>
+            <a:noAutofit/>
+          </a:bodyPr>
+          <a:lstStyle/>
+          <a:p>
+            <a:pPr algn="l">
+              <a:lnSpc>
+                <a:spcPct val="150000"/>
+              </a:lnSpc>
+            </a:pPr>
+            <a:r>
+              <a:rPr lang="es-ES" sz="4000" dirty="0" err="1" smtClean="0">
+                <a:solidFill>
+                  <a:schemeClr val="bg1"/>
+                </a:solidFill>
+                <a:latin typeface="Cambria" panose="02040503050406030204" pitchFamily="18" charset="0"/>
+              </a:rPr>
               <a:t>Extensions</a:t>
             </a:r>
             <a:endParaRPr lang="es-ES" sz="4000" dirty="0">
@@ -10957,7 +11171,7 @@
 </p:sld>
 </file>
 
-<file path=ppt/slides/slide17.xml><?xml version="1.0" encoding="utf-8"?>
+<file path=ppt/slides/slide18.xml><?xml version="1.0" encoding="utf-8"?>
 <p:sld xmlns:a="http://schemas.openxmlformats.org/drawingml/2006/main" xmlns:r="http://schemas.openxmlformats.org/officeDocument/2006/relationships" xmlns:p="http://schemas.openxmlformats.org/presentationml/2006/main">
   <p:cSld>
     <p:spTree>
@@ -11063,212 +11277,6 @@
     <p:extLst>
       <p:ext uri="{BB962C8B-B14F-4D97-AF65-F5344CB8AC3E}">
         <p14:creationId xmlns:p14="http://schemas.microsoft.com/office/powerpoint/2010/main" val="360915127"/>
-      </p:ext>
-    </p:extLst>
-  </p:cSld>
-  <p:clrMapOvr>
-    <a:masterClrMapping/>
-  </p:clrMapOvr>
-  <p:transition spd="slow">
-    <p:push dir="u"/>
-  </p:transition>
-  <p:timing>
-    <p:tnLst>
-      <p:par>
-        <p:cTn id="1" dur="indefinite" restart="never" nodeType="tmRoot"/>
-      </p:par>
-    </p:tnLst>
-  </p:timing>
-</p:sld>
-</file>
-
-<file path=ppt/slides/slide18.xml><?xml version="1.0" encoding="utf-8"?>
-<p:sld xmlns:a="http://schemas.openxmlformats.org/drawingml/2006/main" xmlns:r="http://schemas.openxmlformats.org/officeDocument/2006/relationships" xmlns:p="http://schemas.openxmlformats.org/presentationml/2006/main">
-  <p:cSld>
-    <p:spTree>
-      <p:nvGrpSpPr>
-        <p:cNvPr id="1" name=""/>
-        <p:cNvGrpSpPr/>
-        <p:nvPr/>
-      </p:nvGrpSpPr>
-      <p:grpSpPr>
-        <a:xfrm>
-          <a:off x="0" y="0"/>
-          <a:ext cx="0" cy="0"/>
-          <a:chOff x="0" y="0"/>
-          <a:chExt cx="0" cy="0"/>
-        </a:xfrm>
-      </p:grpSpPr>
-      <p:pic>
-        <p:nvPicPr>
-          <p:cNvPr id="5" name="Imagen 4"/>
-          <p:cNvPicPr>
-            <a:picLocks noChangeAspect="1"/>
-          </p:cNvPicPr>
-          <p:nvPr/>
-        </p:nvPicPr>
-        <p:blipFill>
-          <a:blip r:embed="rId2"/>
-          <a:stretch>
-            <a:fillRect/>
-          </a:stretch>
-        </p:blipFill>
-        <p:spPr>
-          <a:xfrm>
-            <a:off x="0" y="334"/>
-            <a:ext cx="12192000" cy="772398"/>
-          </a:xfrm>
-          <a:prstGeom prst="rect">
-            <a:avLst/>
-          </a:prstGeom>
-        </p:spPr>
-      </p:pic>
-      <p:sp>
-        <p:nvSpPr>
-          <p:cNvPr id="2" name="Título 1"/>
-          <p:cNvSpPr>
-            <a:spLocks noGrp="1"/>
-          </p:cNvSpPr>
-          <p:nvPr>
-            <p:ph type="ctrTitle"/>
-          </p:nvPr>
-        </p:nvSpPr>
-        <p:spPr>
-          <a:xfrm>
-            <a:off x="324118" y="-38303"/>
-            <a:ext cx="11408536" cy="732195"/>
-          </a:xfrm>
-        </p:spPr>
-        <p:txBody>
-          <a:bodyPr>
-            <a:noAutofit/>
-          </a:bodyPr>
-          <a:lstStyle/>
-          <a:p>
-            <a:pPr algn="l">
-              <a:lnSpc>
-                <a:spcPct val="150000"/>
-              </a:lnSpc>
-            </a:pPr>
-            <a:r>
-              <a:rPr lang="es-ES" sz="4000" dirty="0" smtClean="0">
-                <a:solidFill>
-                  <a:schemeClr val="bg1"/>
-                </a:solidFill>
-                <a:latin typeface="Cambria" panose="02040503050406030204" pitchFamily="18" charset="0"/>
-              </a:rPr>
-              <a:t>Notes</a:t>
-            </a:r>
-            <a:endParaRPr lang="es-ES" sz="4000" dirty="0" smtClean="0">
-              <a:solidFill>
-                <a:schemeClr val="bg1"/>
-              </a:solidFill>
-              <a:latin typeface="Cambria" panose="02040503050406030204" pitchFamily="18" charset="0"/>
-            </a:endParaRPr>
-          </a:p>
-        </p:txBody>
-      </p:sp>
-      <p:sp>
-        <p:nvSpPr>
-          <p:cNvPr id="3" name="Subtítulo 2"/>
-          <p:cNvSpPr>
-            <a:spLocks noGrp="1"/>
-          </p:cNvSpPr>
-          <p:nvPr>
-            <p:ph type="subTitle" idx="1"/>
-          </p:nvPr>
-        </p:nvSpPr>
-        <p:spPr>
-          <a:xfrm>
-            <a:off x="2240924" y="1339403"/>
-            <a:ext cx="9491730" cy="4404574"/>
-          </a:xfrm>
-        </p:spPr>
-        <p:txBody>
-          <a:bodyPr>
-            <a:normAutofit/>
-          </a:bodyPr>
-          <a:lstStyle/>
-          <a:p>
-            <a:pPr algn="l"/>
-            <a:r>
-              <a:rPr lang="en-US" dirty="0">
-                <a:latin typeface="Cambria" panose="02040503050406030204" pitchFamily="18" charset="0"/>
-              </a:rPr>
-              <a:t>Description of the process</a:t>
-            </a:r>
-          </a:p>
-          <a:p>
-            <a:pPr algn="l"/>
-            <a:r>
-              <a:rPr lang="en-US" dirty="0">
-                <a:latin typeface="Cambria" panose="02040503050406030204" pitchFamily="18" charset="0"/>
-              </a:rPr>
-              <a:t>Post-decision state (Powel 2011)</a:t>
-            </a:r>
-          </a:p>
-          <a:p>
-            <a:pPr algn="l"/>
-            <a:r>
-              <a:rPr lang="en-US" dirty="0">
-                <a:latin typeface="Cambria" panose="02040503050406030204" pitchFamily="18" charset="0"/>
-              </a:rPr>
-              <a:t>Information arrives at time t and planning is set up for time t’ (t’&gt;t) but before new information arrives </a:t>
-            </a:r>
-          </a:p>
-          <a:p>
-            <a:pPr algn="l"/>
-            <a:endParaRPr lang="en-US" dirty="0">
-              <a:latin typeface="Cambria" panose="02040503050406030204" pitchFamily="18" charset="0"/>
-            </a:endParaRPr>
-          </a:p>
-        </p:txBody>
-      </p:sp>
-      <p:pic>
-        <p:nvPicPr>
-          <p:cNvPr id="1028" name="Picture 4" descr="http://4.bp.blogspot.com/-sVxjLXoGLsU/T-Q6Icoc49I/AAAAAAAAAIg/E3uSWVIRMgU/s1600/bgse+logo.jpg"/>
-          <p:cNvPicPr>
-            <a:picLocks noChangeAspect="1" noChangeArrowheads="1"/>
-          </p:cNvPicPr>
-          <p:nvPr/>
-        </p:nvPicPr>
-        <p:blipFill>
-          <a:blip r:embed="rId3" cstate="print">
-            <a:extLst>
-              <a:ext uri="{28A0092B-C50C-407E-A947-70E740481C1C}">
-                <a14:useLocalDpi xmlns:a14="http://schemas.microsoft.com/office/drawing/2010/main" val="0"/>
-              </a:ext>
-            </a:extLst>
-          </a:blip>
-          <a:srcRect/>
-          <a:stretch>
-            <a:fillRect/>
-          </a:stretch>
-        </p:blipFill>
-        <p:spPr bwMode="auto">
-          <a:xfrm>
-            <a:off x="0" y="6141371"/>
-            <a:ext cx="3953814" cy="716629"/>
-          </a:xfrm>
-          <a:prstGeom prst="rect">
-            <a:avLst/>
-          </a:prstGeom>
-          <a:noFill/>
-          <a:extLst>
-            <a:ext uri="{909E8E84-426E-40DD-AFC4-6F175D3DCCD1}">
-              <a14:hiddenFill xmlns:a14="http://schemas.microsoft.com/office/drawing/2010/main">
-                <a:solidFill>
-                  <a:srgbClr val="FFFFFF"/>
-                </a:solidFill>
-              </a14:hiddenFill>
-            </a:ext>
-          </a:extLst>
-        </p:spPr>
-      </p:pic>
-    </p:spTree>
-    <p:extLst>
-      <p:ext uri="{BB962C8B-B14F-4D97-AF65-F5344CB8AC3E}">
-        <p14:creationId xmlns:p14="http://schemas.microsoft.com/office/powerpoint/2010/main" val="276262170"/>
       </p:ext>
     </p:extLst>
   </p:cSld>
@@ -11363,8 +11371,195 @@
                 </a:solidFill>
                 <a:latin typeface="Cambria" panose="02040503050406030204" pitchFamily="18" charset="0"/>
               </a:rPr>
-              <a:t>IV. </a:t>
-            </a:r>
+              <a:t>Notes</a:t>
+            </a:r>
+          </a:p>
+        </p:txBody>
+      </p:sp>
+      <p:sp>
+        <p:nvSpPr>
+          <p:cNvPr id="3" name="Subtítulo 2"/>
+          <p:cNvSpPr>
+            <a:spLocks noGrp="1"/>
+          </p:cNvSpPr>
+          <p:nvPr>
+            <p:ph type="subTitle" idx="1"/>
+          </p:nvPr>
+        </p:nvSpPr>
+        <p:spPr>
+          <a:xfrm>
+            <a:off x="2240924" y="1339403"/>
+            <a:ext cx="9491730" cy="4404574"/>
+          </a:xfrm>
+        </p:spPr>
+        <p:txBody>
+          <a:bodyPr>
+            <a:normAutofit/>
+          </a:bodyPr>
+          <a:lstStyle/>
+          <a:p>
+            <a:pPr algn="l"/>
+            <a:r>
+              <a:rPr lang="en-US" dirty="0">
+                <a:latin typeface="Cambria" panose="02040503050406030204" pitchFamily="18" charset="0"/>
+              </a:rPr>
+              <a:t>Description of the process</a:t>
+            </a:r>
+          </a:p>
+          <a:p>
+            <a:pPr algn="l"/>
+            <a:r>
+              <a:rPr lang="en-US" dirty="0">
+                <a:latin typeface="Cambria" panose="02040503050406030204" pitchFamily="18" charset="0"/>
+              </a:rPr>
+              <a:t>Post-decision state (Powel 2011)</a:t>
+            </a:r>
+          </a:p>
+          <a:p>
+            <a:pPr algn="l"/>
+            <a:r>
+              <a:rPr lang="en-US" dirty="0">
+                <a:latin typeface="Cambria" panose="02040503050406030204" pitchFamily="18" charset="0"/>
+              </a:rPr>
+              <a:t>Information arrives at time t and planning is set up for time t’ (t’&gt;t) but before new information arrives </a:t>
+            </a:r>
+          </a:p>
+          <a:p>
+            <a:pPr algn="l"/>
+            <a:endParaRPr lang="en-US" dirty="0">
+              <a:latin typeface="Cambria" panose="02040503050406030204" pitchFamily="18" charset="0"/>
+            </a:endParaRPr>
+          </a:p>
+        </p:txBody>
+      </p:sp>
+      <p:pic>
+        <p:nvPicPr>
+          <p:cNvPr id="1028" name="Picture 4" descr="http://4.bp.blogspot.com/-sVxjLXoGLsU/T-Q6Icoc49I/AAAAAAAAAIg/E3uSWVIRMgU/s1600/bgse+logo.jpg"/>
+          <p:cNvPicPr>
+            <a:picLocks noChangeAspect="1" noChangeArrowheads="1"/>
+          </p:cNvPicPr>
+          <p:nvPr/>
+        </p:nvPicPr>
+        <p:blipFill>
+          <a:blip r:embed="rId3" cstate="print">
+            <a:extLst>
+              <a:ext uri="{28A0092B-C50C-407E-A947-70E740481C1C}">
+                <a14:useLocalDpi xmlns:a14="http://schemas.microsoft.com/office/drawing/2010/main" val="0"/>
+              </a:ext>
+            </a:extLst>
+          </a:blip>
+          <a:srcRect/>
+          <a:stretch>
+            <a:fillRect/>
+          </a:stretch>
+        </p:blipFill>
+        <p:spPr bwMode="auto">
+          <a:xfrm>
+            <a:off x="0" y="6141371"/>
+            <a:ext cx="3953814" cy="716629"/>
+          </a:xfrm>
+          <a:prstGeom prst="rect">
+            <a:avLst/>
+          </a:prstGeom>
+          <a:noFill/>
+          <a:extLst>
+            <a:ext uri="{909E8E84-426E-40DD-AFC4-6F175D3DCCD1}">
+              <a14:hiddenFill xmlns:a14="http://schemas.microsoft.com/office/drawing/2010/main">
+                <a:solidFill>
+                  <a:srgbClr val="FFFFFF"/>
+                </a:solidFill>
+              </a14:hiddenFill>
+            </a:ext>
+          </a:extLst>
+        </p:spPr>
+      </p:pic>
+    </p:spTree>
+    <p:extLst>
+      <p:ext uri="{BB962C8B-B14F-4D97-AF65-F5344CB8AC3E}">
+        <p14:creationId xmlns:p14="http://schemas.microsoft.com/office/powerpoint/2010/main" val="276262170"/>
+      </p:ext>
+    </p:extLst>
+  </p:cSld>
+  <p:clrMapOvr>
+    <a:masterClrMapping/>
+  </p:clrMapOvr>
+  <p:transition spd="slow">
+    <p:push dir="u"/>
+  </p:transition>
+  <p:timing>
+    <p:tnLst>
+      <p:par>
+        <p:cTn id="1" dur="indefinite" restart="never" nodeType="tmRoot"/>
+      </p:par>
+    </p:tnLst>
+  </p:timing>
+</p:sld>
+</file>
+
+<file path=ppt/slides/slide2.xml><?xml version="1.0" encoding="utf-8"?>
+<p:sld xmlns:a="http://schemas.openxmlformats.org/drawingml/2006/main" xmlns:r="http://schemas.openxmlformats.org/officeDocument/2006/relationships" xmlns:p="http://schemas.openxmlformats.org/presentationml/2006/main">
+  <p:cSld>
+    <p:spTree>
+      <p:nvGrpSpPr>
+        <p:cNvPr id="1" name=""/>
+        <p:cNvGrpSpPr/>
+        <p:nvPr/>
+      </p:nvGrpSpPr>
+      <p:grpSpPr>
+        <a:xfrm>
+          <a:off x="0" y="0"/>
+          <a:ext cx="0" cy="0"/>
+          <a:chOff x="0" y="0"/>
+          <a:chExt cx="0" cy="0"/>
+        </a:xfrm>
+      </p:grpSpPr>
+      <p:pic>
+        <p:nvPicPr>
+          <p:cNvPr id="5" name="Imagen 4"/>
+          <p:cNvPicPr>
+            <a:picLocks noChangeAspect="1"/>
+          </p:cNvPicPr>
+          <p:nvPr/>
+        </p:nvPicPr>
+        <p:blipFill>
+          <a:blip r:embed="rId2"/>
+          <a:stretch>
+            <a:fillRect/>
+          </a:stretch>
+        </p:blipFill>
+        <p:spPr>
+          <a:xfrm>
+            <a:off x="0" y="334"/>
+            <a:ext cx="12192000" cy="772398"/>
+          </a:xfrm>
+          <a:prstGeom prst="rect">
+            <a:avLst/>
+          </a:prstGeom>
+        </p:spPr>
+      </p:pic>
+      <p:sp>
+        <p:nvSpPr>
+          <p:cNvPr id="2" name="Título 1"/>
+          <p:cNvSpPr>
+            <a:spLocks noGrp="1"/>
+          </p:cNvSpPr>
+          <p:nvPr>
+            <p:ph type="ctrTitle"/>
+          </p:nvPr>
+        </p:nvSpPr>
+        <p:spPr>
+          <a:xfrm>
+            <a:off x="324118" y="-38303"/>
+            <a:ext cx="7259392" cy="732195"/>
+          </a:xfrm>
+        </p:spPr>
+        <p:txBody>
+          <a:bodyPr>
+            <a:noAutofit/>
+          </a:bodyPr>
+          <a:lstStyle/>
+          <a:p>
+            <a:pPr algn="l"/>
             <a:r>
               <a:rPr lang="es-ES" sz="4000" dirty="0" err="1" smtClean="0">
                 <a:solidFill>
@@ -11372,8 +11567,381 @@
                 </a:solidFill>
                 <a:latin typeface="Cambria" panose="02040503050406030204" pitchFamily="18" charset="0"/>
               </a:rPr>
+              <a:t>Structure</a:t>
+            </a:r>
+            <a:endParaRPr lang="en-US" sz="4000" dirty="0">
+              <a:solidFill>
+                <a:schemeClr val="bg1"/>
+              </a:solidFill>
+              <a:latin typeface="Cambria" panose="02040503050406030204" pitchFamily="18" charset="0"/>
+            </a:endParaRPr>
+          </a:p>
+        </p:txBody>
+      </p:sp>
+      <p:sp>
+        <p:nvSpPr>
+          <p:cNvPr id="3" name="Subtítulo 2"/>
+          <p:cNvSpPr>
+            <a:spLocks noGrp="1"/>
+          </p:cNvSpPr>
+          <p:nvPr>
+            <p:ph type="subTitle" idx="1"/>
+          </p:nvPr>
+        </p:nvSpPr>
+        <p:spPr>
+          <a:xfrm>
+            <a:off x="1086118" y="1133341"/>
+            <a:ext cx="10066986" cy="4723128"/>
+          </a:xfrm>
+        </p:spPr>
+        <p:txBody>
+          <a:bodyPr>
+            <a:normAutofit fontScale="92500" lnSpcReduction="20000"/>
+          </a:bodyPr>
+          <a:lstStyle/>
+          <a:p>
+            <a:pPr algn="l">
+              <a:lnSpc>
+                <a:spcPct val="150000"/>
+              </a:lnSpc>
+            </a:pPr>
+            <a:r>
+              <a:rPr lang="en-US" dirty="0" smtClean="0">
+                <a:latin typeface="Cambria" panose="02040503050406030204" pitchFamily="18" charset="0"/>
+              </a:rPr>
+              <a:t>Quick view of the Waste Management Industry (</a:t>
+            </a:r>
+            <a:r>
+              <a:rPr lang="en-US" b="1" dirty="0" smtClean="0">
+                <a:latin typeface="Cambria" panose="02040503050406030204" pitchFamily="18" charset="0"/>
+              </a:rPr>
+              <a:t>WMI</a:t>
+            </a:r>
+            <a:r>
+              <a:rPr lang="en-US" dirty="0" smtClean="0">
+                <a:latin typeface="Cambria" panose="02040503050406030204" pitchFamily="18" charset="0"/>
+              </a:rPr>
+              <a:t>)</a:t>
+            </a:r>
+          </a:p>
+          <a:p>
+            <a:pPr algn="l">
+              <a:lnSpc>
+                <a:spcPct val="150000"/>
+              </a:lnSpc>
+            </a:pPr>
+            <a:r>
+              <a:rPr lang="es-ES" b="1" dirty="0" err="1" smtClean="0">
+                <a:latin typeface="Cambria" panose="02040503050406030204" pitchFamily="18" charset="0"/>
+              </a:rPr>
+              <a:t>Motivation</a:t>
+            </a:r>
+            <a:r>
+              <a:rPr lang="es-ES" dirty="0" smtClean="0">
+                <a:latin typeface="Cambria" panose="02040503050406030204" pitchFamily="18" charset="0"/>
+              </a:rPr>
+              <a:t> and </a:t>
+            </a:r>
+            <a:r>
+              <a:rPr lang="es-ES" dirty="0" err="1" smtClean="0">
+                <a:latin typeface="Cambria" panose="02040503050406030204" pitchFamily="18" charset="0"/>
+              </a:rPr>
+              <a:t>overall</a:t>
+            </a:r>
+            <a:r>
+              <a:rPr lang="es-ES" dirty="0" smtClean="0">
+                <a:latin typeface="Cambria" panose="02040503050406030204" pitchFamily="18" charset="0"/>
+              </a:rPr>
+              <a:t> </a:t>
+            </a:r>
+            <a:r>
+              <a:rPr lang="es-ES" dirty="0" err="1" smtClean="0">
+                <a:latin typeface="Cambria" panose="02040503050406030204" pitchFamily="18" charset="0"/>
+              </a:rPr>
+              <a:t>objective</a:t>
+            </a:r>
+            <a:endParaRPr lang="es-ES" dirty="0" smtClean="0">
+              <a:latin typeface="Cambria" panose="02040503050406030204" pitchFamily="18" charset="0"/>
+            </a:endParaRPr>
+          </a:p>
+          <a:p>
+            <a:pPr algn="l">
+              <a:lnSpc>
+                <a:spcPct val="150000"/>
+              </a:lnSpc>
+            </a:pPr>
+            <a:r>
+              <a:rPr lang="es-ES" b="1" dirty="0" smtClean="0">
+                <a:latin typeface="Cambria" panose="02040503050406030204" pitchFamily="18" charset="0"/>
+              </a:rPr>
+              <a:t>Business case</a:t>
+            </a:r>
+          </a:p>
+          <a:p>
+            <a:pPr algn="l">
+              <a:lnSpc>
+                <a:spcPct val="150000"/>
+              </a:lnSpc>
+            </a:pPr>
+            <a:r>
+              <a:rPr lang="es-ES" b="1" dirty="0" smtClean="0">
+                <a:latin typeface="Cambria" panose="02040503050406030204" pitchFamily="18" charset="0"/>
+              </a:rPr>
+              <a:t>Framework</a:t>
+            </a:r>
+          </a:p>
+          <a:p>
+            <a:pPr algn="l">
+              <a:lnSpc>
+                <a:spcPct val="150000"/>
+              </a:lnSpc>
+            </a:pPr>
+            <a:r>
+              <a:rPr lang="es-ES" b="1" dirty="0" err="1" smtClean="0">
+                <a:latin typeface="Cambria" panose="02040503050406030204" pitchFamily="18" charset="0"/>
+              </a:rPr>
               <a:t>Modelling</a:t>
             </a:r>
+            <a:r>
+              <a:rPr lang="es-ES" dirty="0" smtClean="0">
+                <a:latin typeface="Cambria" panose="02040503050406030204" pitchFamily="18" charset="0"/>
+              </a:rPr>
+              <a:t> the DP case</a:t>
+            </a:r>
+          </a:p>
+          <a:p>
+            <a:pPr algn="l">
+              <a:lnSpc>
+                <a:spcPct val="150000"/>
+              </a:lnSpc>
+            </a:pPr>
+            <a:r>
+              <a:rPr lang="es-ES" b="1" dirty="0" err="1" smtClean="0">
+                <a:latin typeface="Cambria" panose="02040503050406030204" pitchFamily="18" charset="0"/>
+              </a:rPr>
+              <a:t>Methodology</a:t>
+            </a:r>
+            <a:r>
+              <a:rPr lang="es-ES" dirty="0" smtClean="0">
+                <a:latin typeface="Cambria" panose="02040503050406030204" pitchFamily="18" charset="0"/>
+              </a:rPr>
+              <a:t> and </a:t>
+            </a:r>
+            <a:r>
+              <a:rPr lang="es-ES" b="1" dirty="0" err="1" smtClean="0">
+                <a:latin typeface="Cambria" panose="02040503050406030204" pitchFamily="18" charset="0"/>
+              </a:rPr>
+              <a:t>results</a:t>
+            </a:r>
+            <a:endParaRPr lang="es-ES" b="1" dirty="0" smtClean="0">
+              <a:latin typeface="Cambria" panose="02040503050406030204" pitchFamily="18" charset="0"/>
+            </a:endParaRPr>
+          </a:p>
+          <a:p>
+            <a:pPr algn="l">
+              <a:lnSpc>
+                <a:spcPct val="150000"/>
+              </a:lnSpc>
+            </a:pPr>
+            <a:r>
+              <a:rPr lang="es-ES" dirty="0" err="1" smtClean="0">
+                <a:latin typeface="Cambria" panose="02040503050406030204" pitchFamily="18" charset="0"/>
+              </a:rPr>
+              <a:t>Conclusions</a:t>
+            </a:r>
+            <a:r>
+              <a:rPr lang="es-ES" dirty="0" smtClean="0">
+                <a:latin typeface="Cambria" panose="02040503050406030204" pitchFamily="18" charset="0"/>
+              </a:rPr>
+              <a:t>: </a:t>
+            </a:r>
+            <a:r>
+              <a:rPr lang="en-US" b="1" dirty="0" smtClean="0">
+                <a:latin typeface="Cambria" panose="02040503050406030204" pitchFamily="18" charset="0"/>
+              </a:rPr>
+              <a:t>Costs</a:t>
+            </a:r>
+            <a:r>
+              <a:rPr lang="en-US" dirty="0" smtClean="0">
+                <a:latin typeface="Cambria" panose="02040503050406030204" pitchFamily="18" charset="0"/>
+              </a:rPr>
+              <a:t> comparison and the “value of information”</a:t>
+            </a:r>
+          </a:p>
+          <a:p>
+            <a:pPr algn="l">
+              <a:lnSpc>
+                <a:spcPct val="150000"/>
+              </a:lnSpc>
+            </a:pPr>
+            <a:r>
+              <a:rPr lang="es-ES" b="1" dirty="0" err="1" smtClean="0">
+                <a:latin typeface="Cambria" panose="02040503050406030204" pitchFamily="18" charset="0"/>
+              </a:rPr>
+              <a:t>Extensions</a:t>
+            </a:r>
+            <a:r>
+              <a:rPr lang="es-ES" dirty="0" smtClean="0">
+                <a:latin typeface="Cambria" panose="02040503050406030204" pitchFamily="18" charset="0"/>
+              </a:rPr>
+              <a:t>: </a:t>
+            </a:r>
+            <a:r>
+              <a:rPr lang="es-ES" dirty="0" err="1" smtClean="0">
+                <a:latin typeface="Cambria" panose="02040503050406030204" pitchFamily="18" charset="0"/>
+              </a:rPr>
+              <a:t>future</a:t>
+            </a:r>
+            <a:r>
+              <a:rPr lang="es-ES" dirty="0" smtClean="0">
+                <a:latin typeface="Cambria" panose="02040503050406030204" pitchFamily="18" charset="0"/>
+              </a:rPr>
+              <a:t> </a:t>
+            </a:r>
+            <a:r>
+              <a:rPr lang="es-ES" dirty="0" err="1" smtClean="0">
+                <a:latin typeface="Cambria" panose="02040503050406030204" pitchFamily="18" charset="0"/>
+              </a:rPr>
+              <a:t>directions</a:t>
+            </a:r>
+            <a:endParaRPr lang="es-ES" dirty="0" smtClean="0">
+              <a:latin typeface="Cambria" panose="02040503050406030204" pitchFamily="18" charset="0"/>
+            </a:endParaRPr>
+          </a:p>
+        </p:txBody>
+      </p:sp>
+      <p:pic>
+        <p:nvPicPr>
+          <p:cNvPr id="1028" name="Picture 4" descr="http://4.bp.blogspot.com/-sVxjLXoGLsU/T-Q6Icoc49I/AAAAAAAAAIg/E3uSWVIRMgU/s1600/bgse+logo.jpg"/>
+          <p:cNvPicPr>
+            <a:picLocks noChangeAspect="1" noChangeArrowheads="1"/>
+          </p:cNvPicPr>
+          <p:nvPr/>
+        </p:nvPicPr>
+        <p:blipFill>
+          <a:blip r:embed="rId3" cstate="print">
+            <a:extLst>
+              <a:ext uri="{28A0092B-C50C-407E-A947-70E740481C1C}">
+                <a14:useLocalDpi xmlns:a14="http://schemas.microsoft.com/office/drawing/2010/main" val="0"/>
+              </a:ext>
+            </a:extLst>
+          </a:blip>
+          <a:srcRect/>
+          <a:stretch>
+            <a:fillRect/>
+          </a:stretch>
+        </p:blipFill>
+        <p:spPr bwMode="auto">
+          <a:xfrm>
+            <a:off x="0" y="6141371"/>
+            <a:ext cx="3953814" cy="716629"/>
+          </a:xfrm>
+          <a:prstGeom prst="rect">
+            <a:avLst/>
+          </a:prstGeom>
+          <a:noFill/>
+          <a:extLst>
+            <a:ext uri="{909E8E84-426E-40DD-AFC4-6F175D3DCCD1}">
+              <a14:hiddenFill xmlns:a14="http://schemas.microsoft.com/office/drawing/2010/main">
+                <a:solidFill>
+                  <a:srgbClr val="FFFFFF"/>
+                </a:solidFill>
+              </a14:hiddenFill>
+            </a:ext>
+          </a:extLst>
+        </p:spPr>
+      </p:pic>
+    </p:spTree>
+    <p:extLst>
+      <p:ext uri="{BB962C8B-B14F-4D97-AF65-F5344CB8AC3E}">
+        <p14:creationId xmlns:p14="http://schemas.microsoft.com/office/powerpoint/2010/main" val="968979840"/>
+      </p:ext>
+    </p:extLst>
+  </p:cSld>
+  <p:clrMapOvr>
+    <a:masterClrMapping/>
+  </p:clrMapOvr>
+  <p:transition spd="slow">
+    <p:push dir="u"/>
+  </p:transition>
+  <p:timing>
+    <p:tnLst>
+      <p:par>
+        <p:cTn id="1" dur="indefinite" restart="never" nodeType="tmRoot"/>
+      </p:par>
+    </p:tnLst>
+  </p:timing>
+</p:sld>
+</file>
+
+<file path=ppt/slides/slide20.xml><?xml version="1.0" encoding="utf-8"?>
+<p:sld xmlns:a="http://schemas.openxmlformats.org/drawingml/2006/main" xmlns:r="http://schemas.openxmlformats.org/officeDocument/2006/relationships" xmlns:p="http://schemas.openxmlformats.org/presentationml/2006/main">
+  <p:cSld>
+    <p:spTree>
+      <p:nvGrpSpPr>
+        <p:cNvPr id="1" name=""/>
+        <p:cNvGrpSpPr/>
+        <p:nvPr/>
+      </p:nvGrpSpPr>
+      <p:grpSpPr>
+        <a:xfrm>
+          <a:off x="0" y="0"/>
+          <a:ext cx="0" cy="0"/>
+          <a:chOff x="0" y="0"/>
+          <a:chExt cx="0" cy="0"/>
+        </a:xfrm>
+      </p:grpSpPr>
+      <p:pic>
+        <p:nvPicPr>
+          <p:cNvPr id="5" name="Imagen 4"/>
+          <p:cNvPicPr>
+            <a:picLocks noChangeAspect="1"/>
+          </p:cNvPicPr>
+          <p:nvPr/>
+        </p:nvPicPr>
+        <p:blipFill>
+          <a:blip r:embed="rId2"/>
+          <a:stretch>
+            <a:fillRect/>
+          </a:stretch>
+        </p:blipFill>
+        <p:spPr>
+          <a:xfrm>
+            <a:off x="0" y="334"/>
+            <a:ext cx="12192000" cy="772398"/>
+          </a:xfrm>
+          <a:prstGeom prst="rect">
+            <a:avLst/>
+          </a:prstGeom>
+        </p:spPr>
+      </p:pic>
+      <p:sp>
+        <p:nvSpPr>
+          <p:cNvPr id="2" name="Título 1"/>
+          <p:cNvSpPr>
+            <a:spLocks noGrp="1"/>
+          </p:cNvSpPr>
+          <p:nvPr>
+            <p:ph type="ctrTitle"/>
+          </p:nvPr>
+        </p:nvSpPr>
+        <p:spPr>
+          <a:xfrm>
+            <a:off x="324118" y="-38303"/>
+            <a:ext cx="11408536" cy="732195"/>
+          </a:xfrm>
+        </p:spPr>
+        <p:txBody>
+          <a:bodyPr>
+            <a:noAutofit/>
+          </a:bodyPr>
+          <a:lstStyle/>
+          <a:p>
+            <a:pPr algn="l">
+              <a:lnSpc>
+                <a:spcPct val="150000"/>
+              </a:lnSpc>
+            </a:pPr>
             <a:r>
               <a:rPr lang="es-ES" sz="4000" dirty="0" smtClean="0">
                 <a:solidFill>
@@ -11381,13 +11949,31 @@
                 </a:solidFill>
                 <a:latin typeface="Cambria" panose="02040503050406030204" pitchFamily="18" charset="0"/>
               </a:rPr>
+              <a:t>IV. </a:t>
+            </a:r>
+            <a:r>
+              <a:rPr lang="es-ES" sz="4000" dirty="0" err="1" smtClean="0">
+                <a:solidFill>
+                  <a:schemeClr val="bg1"/>
+                </a:solidFill>
+                <a:latin typeface="Cambria" panose="02040503050406030204" pitchFamily="18" charset="0"/>
+              </a:rPr>
+              <a:t>Modelling</a:t>
+            </a:r>
+            <a:r>
+              <a:rPr lang="es-ES" sz="4000" dirty="0" smtClean="0">
+                <a:solidFill>
+                  <a:schemeClr val="bg1"/>
+                </a:solidFill>
+                <a:latin typeface="Cambria" panose="02040503050406030204" pitchFamily="18" charset="0"/>
+              </a:rPr>
               <a:t> </a:t>
             </a:r>
           </a:p>
         </p:txBody>
       </p:sp>
-      <mc:AlternateContent xmlns:mc="http://schemas.openxmlformats.org/markup-compatibility/2006">
-        <mc:Choice xmlns:a14="http://schemas.microsoft.com/office/drawing/2010/main" Requires="a14">
+      <mc:AlternateContent xmlns:mc="http://schemas.openxmlformats.org/markup-compatibility/2006" xmlns:a14="http://schemas.microsoft.com/office/drawing/2010/main">
+        <mc:Choice Requires="a14">
           <p:sp>
             <p:nvSpPr>
               <p:cNvPr id="3" name="Subtítulo 2"/>
@@ -11466,32 +12052,44 @@
                         <m:chr m:val="∑"/>
                         <m:limLoc m:val="undOvr"/>
                         <m:ctrlPr>
-                          <a:rPr lang="en-US" i="1"/>
+                          <a:rPr lang="en-US" i="1">
+                            <a:latin typeface="Cambria Math" panose="02040503050406030204" pitchFamily="18" charset="0"/>
+                          </a:rPr>
                         </m:ctrlPr>
                       </m:naryPr>
                       <m:sub>
                         <m:r>
-                          <a:rPr lang="en-US" b="0" i="1"/>
+                          <a:rPr lang="en-US" b="0" i="1">
+                            <a:latin typeface="Cambria Math" panose="02040503050406030204" pitchFamily="18" charset="0"/>
+                          </a:rPr>
                           <m:t>𝐾</m:t>
                         </m:r>
                         <m:r>
-                          <a:rPr lang="en-US" b="0" i="1"/>
+                          <a:rPr lang="en-US" b="0" i="1">
+                            <a:latin typeface="Cambria Math" panose="02040503050406030204" pitchFamily="18" charset="0"/>
+                          </a:rPr>
                           <m:t>=0</m:t>
                         </m:r>
                       </m:sub>
                       <m:sup>
                         <m:r>
-                          <a:rPr lang="en-US" b="0" i="1"/>
+                          <a:rPr lang="en-US" b="0" i="1">
+                            <a:latin typeface="Cambria Math" panose="02040503050406030204" pitchFamily="18" charset="0"/>
+                          </a:rPr>
                           <m:t>𝑁</m:t>
                         </m:r>
                         <m:r>
-                          <a:rPr lang="en-US" b="0" i="1"/>
+                          <a:rPr lang="en-US" b="0" i="1">
+                            <a:latin typeface="Cambria Math" panose="02040503050406030204" pitchFamily="18" charset="0"/>
+                          </a:rPr>
                           <m:t>−1</m:t>
                         </m:r>
                       </m:sup>
                       <m:e>
                         <m:r>
-                          <a:rPr lang="en-US" b="0" i="1"/>
+                          <a:rPr lang="en-US" b="0" i="1">
+                            <a:latin typeface="Cambria Math" panose="02040503050406030204" pitchFamily="18" charset="0"/>
+                          </a:rPr>
                           <m:t> </m:t>
                         </m:r>
                       </m:e>
@@ -12217,7 +12815,7 @@
             </p:txBody>
           </p:sp>
         </mc:Choice>
-        <mc:Fallback>
+        <mc:Fallback xmlns="">
           <p:sp>
             <p:nvSpPr>
               <p:cNvPr id="3" name="Subtítulo 2"/>
@@ -12319,411 +12917,6 @@
 </p:sld>
 </file>
 
-<file path=ppt/slides/slide2.xml><?xml version="1.0" encoding="utf-8"?>
-<p:sld xmlns:a="http://schemas.openxmlformats.org/drawingml/2006/main" xmlns:r="http://schemas.openxmlformats.org/officeDocument/2006/relationships" xmlns:p="http://schemas.openxmlformats.org/presentationml/2006/main">
-  <p:cSld>
-    <p:spTree>
-      <p:nvGrpSpPr>
-        <p:cNvPr id="1" name=""/>
-        <p:cNvGrpSpPr/>
-        <p:nvPr/>
-      </p:nvGrpSpPr>
-      <p:grpSpPr>
-        <a:xfrm>
-          <a:off x="0" y="0"/>
-          <a:ext cx="0" cy="0"/>
-          <a:chOff x="0" y="0"/>
-          <a:chExt cx="0" cy="0"/>
-        </a:xfrm>
-      </p:grpSpPr>
-      <p:pic>
-        <p:nvPicPr>
-          <p:cNvPr id="5" name="Imagen 4"/>
-          <p:cNvPicPr>
-            <a:picLocks noChangeAspect="1"/>
-          </p:cNvPicPr>
-          <p:nvPr/>
-        </p:nvPicPr>
-        <p:blipFill>
-          <a:blip r:embed="rId2"/>
-          <a:stretch>
-            <a:fillRect/>
-          </a:stretch>
-        </p:blipFill>
-        <p:spPr>
-          <a:xfrm>
-            <a:off x="0" y="334"/>
-            <a:ext cx="12192000" cy="772398"/>
-          </a:xfrm>
-          <a:prstGeom prst="rect">
-            <a:avLst/>
-          </a:prstGeom>
-        </p:spPr>
-      </p:pic>
-      <p:sp>
-        <p:nvSpPr>
-          <p:cNvPr id="2" name="Título 1"/>
-          <p:cNvSpPr>
-            <a:spLocks noGrp="1"/>
-          </p:cNvSpPr>
-          <p:nvPr>
-            <p:ph type="ctrTitle"/>
-          </p:nvPr>
-        </p:nvSpPr>
-        <p:spPr>
-          <a:xfrm>
-            <a:off x="324118" y="-38303"/>
-            <a:ext cx="7259392" cy="732195"/>
-          </a:xfrm>
-        </p:spPr>
-        <p:txBody>
-          <a:bodyPr>
-            <a:noAutofit/>
-          </a:bodyPr>
-          <a:lstStyle/>
-          <a:p>
-            <a:pPr algn="l"/>
-            <a:r>
-              <a:rPr lang="es-ES" sz="4000" dirty="0" err="1" smtClean="0">
-                <a:solidFill>
-                  <a:schemeClr val="bg1"/>
-                </a:solidFill>
-                <a:latin typeface="Cambria" panose="02040503050406030204" pitchFamily="18" charset="0"/>
-              </a:rPr>
-              <a:t>Structure</a:t>
-            </a:r>
-            <a:endParaRPr lang="en-US" sz="4000" dirty="0">
-              <a:solidFill>
-                <a:schemeClr val="bg1"/>
-              </a:solidFill>
-              <a:latin typeface="Cambria" panose="02040503050406030204" pitchFamily="18" charset="0"/>
-            </a:endParaRPr>
-          </a:p>
-        </p:txBody>
-      </p:sp>
-      <p:sp>
-        <p:nvSpPr>
-          <p:cNvPr id="3" name="Subtítulo 2"/>
-          <p:cNvSpPr>
-            <a:spLocks noGrp="1"/>
-          </p:cNvSpPr>
-          <p:nvPr>
-            <p:ph type="subTitle" idx="1"/>
-          </p:nvPr>
-        </p:nvSpPr>
-        <p:spPr>
-          <a:xfrm>
-            <a:off x="1086118" y="1133341"/>
-            <a:ext cx="10066986" cy="4723128"/>
-          </a:xfrm>
-        </p:spPr>
-        <p:txBody>
-          <a:bodyPr>
-            <a:normAutofit fontScale="92500" lnSpcReduction="20000"/>
-          </a:bodyPr>
-          <a:lstStyle/>
-          <a:p>
-            <a:pPr algn="l">
-              <a:lnSpc>
-                <a:spcPct val="150000"/>
-              </a:lnSpc>
-            </a:pPr>
-            <a:r>
-              <a:rPr lang="en-US" dirty="0" smtClean="0">
-                <a:latin typeface="Cambria" panose="02040503050406030204" pitchFamily="18" charset="0"/>
-              </a:rPr>
-              <a:t>Quick </a:t>
-            </a:r>
-            <a:r>
-              <a:rPr lang="en-US" dirty="0" smtClean="0">
-                <a:latin typeface="Cambria" panose="02040503050406030204" pitchFamily="18" charset="0"/>
-              </a:rPr>
-              <a:t>view of the Waste Management Industry (</a:t>
-            </a:r>
-            <a:r>
-              <a:rPr lang="en-US" b="1" dirty="0" smtClean="0">
-                <a:latin typeface="Cambria" panose="02040503050406030204" pitchFamily="18" charset="0"/>
-              </a:rPr>
-              <a:t>WMI</a:t>
-            </a:r>
-            <a:r>
-              <a:rPr lang="en-US" dirty="0" smtClean="0">
-                <a:latin typeface="Cambria" panose="02040503050406030204" pitchFamily="18" charset="0"/>
-              </a:rPr>
-              <a:t>)</a:t>
-            </a:r>
-          </a:p>
-          <a:p>
-            <a:pPr algn="l">
-              <a:lnSpc>
-                <a:spcPct val="150000"/>
-              </a:lnSpc>
-            </a:pPr>
-            <a:r>
-              <a:rPr lang="es-ES" b="1" dirty="0" err="1" smtClean="0">
-                <a:latin typeface="Cambria" panose="02040503050406030204" pitchFamily="18" charset="0"/>
-              </a:rPr>
-              <a:t>Motivation</a:t>
-            </a:r>
-            <a:r>
-              <a:rPr lang="es-ES" dirty="0" smtClean="0">
-                <a:latin typeface="Cambria" panose="02040503050406030204" pitchFamily="18" charset="0"/>
-              </a:rPr>
-              <a:t> </a:t>
-            </a:r>
-            <a:r>
-              <a:rPr lang="es-ES" dirty="0" smtClean="0">
-                <a:latin typeface="Cambria" panose="02040503050406030204" pitchFamily="18" charset="0"/>
-              </a:rPr>
-              <a:t>and </a:t>
-            </a:r>
-            <a:r>
-              <a:rPr lang="es-ES" dirty="0" err="1" smtClean="0">
-                <a:latin typeface="Cambria" panose="02040503050406030204" pitchFamily="18" charset="0"/>
-              </a:rPr>
-              <a:t>overall</a:t>
-            </a:r>
-            <a:r>
-              <a:rPr lang="es-ES" dirty="0" smtClean="0">
-                <a:latin typeface="Cambria" panose="02040503050406030204" pitchFamily="18" charset="0"/>
-              </a:rPr>
-              <a:t> </a:t>
-            </a:r>
-            <a:r>
-              <a:rPr lang="es-ES" dirty="0" err="1" smtClean="0">
-                <a:latin typeface="Cambria" panose="02040503050406030204" pitchFamily="18" charset="0"/>
-              </a:rPr>
-              <a:t>objective</a:t>
-            </a:r>
-            <a:endParaRPr lang="es-ES" dirty="0" smtClean="0">
-              <a:latin typeface="Cambria" panose="02040503050406030204" pitchFamily="18" charset="0"/>
-            </a:endParaRPr>
-          </a:p>
-          <a:p>
-            <a:pPr algn="l">
-              <a:lnSpc>
-                <a:spcPct val="150000"/>
-              </a:lnSpc>
-            </a:pPr>
-            <a:r>
-              <a:rPr lang="es-ES" b="1" dirty="0" smtClean="0">
-                <a:latin typeface="Cambria" panose="02040503050406030204" pitchFamily="18" charset="0"/>
-              </a:rPr>
-              <a:t>Business case</a:t>
-            </a:r>
-          </a:p>
-          <a:p>
-            <a:pPr algn="l">
-              <a:lnSpc>
-                <a:spcPct val="150000"/>
-              </a:lnSpc>
-            </a:pPr>
-            <a:r>
-              <a:rPr lang="es-ES" b="1" dirty="0" smtClean="0">
-                <a:latin typeface="Cambria" panose="02040503050406030204" pitchFamily="18" charset="0"/>
-              </a:rPr>
-              <a:t>Framework</a:t>
-            </a:r>
-            <a:endParaRPr lang="es-ES" b="1" dirty="0" smtClean="0">
-              <a:latin typeface="Cambria" panose="02040503050406030204" pitchFamily="18" charset="0"/>
-            </a:endParaRPr>
-          </a:p>
-          <a:p>
-            <a:pPr algn="l">
-              <a:lnSpc>
-                <a:spcPct val="150000"/>
-              </a:lnSpc>
-            </a:pPr>
-            <a:r>
-              <a:rPr lang="es-ES" b="1" dirty="0" err="1" smtClean="0">
-                <a:latin typeface="Cambria" panose="02040503050406030204" pitchFamily="18" charset="0"/>
-              </a:rPr>
-              <a:t>Modelling</a:t>
-            </a:r>
-            <a:r>
-              <a:rPr lang="es-ES" dirty="0" smtClean="0">
-                <a:latin typeface="Cambria" panose="02040503050406030204" pitchFamily="18" charset="0"/>
-              </a:rPr>
-              <a:t> </a:t>
-            </a:r>
-            <a:r>
-              <a:rPr lang="es-ES" dirty="0" smtClean="0">
-                <a:latin typeface="Cambria" panose="02040503050406030204" pitchFamily="18" charset="0"/>
-              </a:rPr>
-              <a:t>the DP case</a:t>
-            </a:r>
-          </a:p>
-          <a:p>
-            <a:pPr algn="l">
-              <a:lnSpc>
-                <a:spcPct val="150000"/>
-              </a:lnSpc>
-            </a:pPr>
-            <a:r>
-              <a:rPr lang="es-ES" b="1" dirty="0" err="1" smtClean="0">
-                <a:latin typeface="Cambria" panose="02040503050406030204" pitchFamily="18" charset="0"/>
-              </a:rPr>
-              <a:t>Methodology</a:t>
-            </a:r>
-            <a:r>
-              <a:rPr lang="es-ES" dirty="0" smtClean="0">
-                <a:latin typeface="Cambria" panose="02040503050406030204" pitchFamily="18" charset="0"/>
-              </a:rPr>
-              <a:t> </a:t>
-            </a:r>
-            <a:r>
-              <a:rPr lang="es-ES" dirty="0" smtClean="0">
-                <a:latin typeface="Cambria" panose="02040503050406030204" pitchFamily="18" charset="0"/>
-              </a:rPr>
-              <a:t>and </a:t>
-            </a:r>
-            <a:r>
-              <a:rPr lang="es-ES" b="1" dirty="0" err="1" smtClean="0">
-                <a:latin typeface="Cambria" panose="02040503050406030204" pitchFamily="18" charset="0"/>
-              </a:rPr>
-              <a:t>results</a:t>
-            </a:r>
-            <a:endParaRPr lang="es-ES" b="1" dirty="0" smtClean="0">
-              <a:latin typeface="Cambria" panose="02040503050406030204" pitchFamily="18" charset="0"/>
-            </a:endParaRPr>
-          </a:p>
-          <a:p>
-            <a:pPr algn="l">
-              <a:lnSpc>
-                <a:spcPct val="150000"/>
-              </a:lnSpc>
-            </a:pPr>
-            <a:r>
-              <a:rPr lang="es-ES" dirty="0" err="1" smtClean="0">
-                <a:latin typeface="Cambria" panose="02040503050406030204" pitchFamily="18" charset="0"/>
-              </a:rPr>
-              <a:t>Conclusions</a:t>
-            </a:r>
-            <a:r>
-              <a:rPr lang="es-ES" dirty="0" smtClean="0">
-                <a:latin typeface="Cambria" panose="02040503050406030204" pitchFamily="18" charset="0"/>
-              </a:rPr>
-              <a:t>: </a:t>
-            </a:r>
-            <a:r>
-              <a:rPr lang="en-US" b="1" dirty="0" smtClean="0">
-                <a:latin typeface="Cambria" panose="02040503050406030204" pitchFamily="18" charset="0"/>
-              </a:rPr>
-              <a:t>Costs</a:t>
-            </a:r>
-            <a:r>
-              <a:rPr lang="en-US" dirty="0" smtClean="0">
-                <a:latin typeface="Cambria" panose="02040503050406030204" pitchFamily="18" charset="0"/>
-              </a:rPr>
-              <a:t> comparison and the “value of information”</a:t>
-            </a:r>
-          </a:p>
-          <a:p>
-            <a:pPr algn="l">
-              <a:lnSpc>
-                <a:spcPct val="150000"/>
-              </a:lnSpc>
-            </a:pPr>
-            <a:r>
-              <a:rPr lang="es-ES" b="1" dirty="0" err="1" smtClean="0">
-                <a:latin typeface="Cambria" panose="02040503050406030204" pitchFamily="18" charset="0"/>
-              </a:rPr>
-              <a:t>Extensions</a:t>
-            </a:r>
-            <a:r>
-              <a:rPr lang="es-ES" dirty="0" smtClean="0">
-                <a:latin typeface="Cambria" panose="02040503050406030204" pitchFamily="18" charset="0"/>
-              </a:rPr>
-              <a:t>: </a:t>
-            </a:r>
-            <a:r>
-              <a:rPr lang="es-ES" dirty="0" err="1" smtClean="0">
-                <a:latin typeface="Cambria" panose="02040503050406030204" pitchFamily="18" charset="0"/>
-              </a:rPr>
-              <a:t>future</a:t>
-            </a:r>
-            <a:r>
-              <a:rPr lang="es-ES" dirty="0" smtClean="0">
-                <a:latin typeface="Cambria" panose="02040503050406030204" pitchFamily="18" charset="0"/>
-              </a:rPr>
-              <a:t> </a:t>
-            </a:r>
-            <a:r>
-              <a:rPr lang="es-ES" dirty="0" err="1" smtClean="0">
-                <a:latin typeface="Cambria" panose="02040503050406030204" pitchFamily="18" charset="0"/>
-              </a:rPr>
-              <a:t>directions</a:t>
-            </a:r>
-            <a:endParaRPr lang="es-ES" dirty="0" smtClean="0">
-              <a:latin typeface="Cambria" panose="02040503050406030204" pitchFamily="18" charset="0"/>
-            </a:endParaRPr>
-          </a:p>
-        </p:txBody>
-      </p:sp>
-      <p:pic>
-        <p:nvPicPr>
-          <p:cNvPr id="1028" name="Picture 4" descr="http://4.bp.blogspot.com/-sVxjLXoGLsU/T-Q6Icoc49I/AAAAAAAAAIg/E3uSWVIRMgU/s1600/bgse+logo.jpg"/>
-          <p:cNvPicPr>
-            <a:picLocks noChangeAspect="1" noChangeArrowheads="1"/>
-          </p:cNvPicPr>
-          <p:nvPr/>
-        </p:nvPicPr>
-        <p:blipFill>
-          <a:blip r:embed="rId3" cstate="print">
-            <a:extLst>
-              <a:ext uri="{28A0092B-C50C-407E-A947-70E740481C1C}">
-                <a14:useLocalDpi xmlns:a14="http://schemas.microsoft.com/office/drawing/2010/main" val="0"/>
-              </a:ext>
-            </a:extLst>
-          </a:blip>
-          <a:srcRect/>
-          <a:stretch>
-            <a:fillRect/>
-          </a:stretch>
-        </p:blipFill>
-        <p:spPr bwMode="auto">
-          <a:xfrm>
-            <a:off x="0" y="6141371"/>
-            <a:ext cx="3953814" cy="716629"/>
-          </a:xfrm>
-          <a:prstGeom prst="rect">
-            <a:avLst/>
-          </a:prstGeom>
-          <a:noFill/>
-          <a:extLst>
-            <a:ext uri="{909E8E84-426E-40DD-AFC4-6F175D3DCCD1}">
-              <a14:hiddenFill xmlns:a14="http://schemas.microsoft.com/office/drawing/2010/main">
-                <a:solidFill>
-                  <a:srgbClr val="FFFFFF"/>
-                </a:solidFill>
-              </a14:hiddenFill>
-            </a:ext>
-          </a:extLst>
-        </p:spPr>
-      </p:pic>
-    </p:spTree>
-    <p:extLst>
-      <p:ext uri="{BB962C8B-B14F-4D97-AF65-F5344CB8AC3E}">
-        <p14:creationId xmlns:p14="http://schemas.microsoft.com/office/powerpoint/2010/main" val="968979840"/>
-      </p:ext>
-    </p:extLst>
-  </p:cSld>
-  <p:clrMapOvr>
-    <a:masterClrMapping/>
-  </p:clrMapOvr>
-  <p:transition spd="slow">
-    <p:push dir="u"/>
-  </p:transition>
-  <p:timing>
-    <p:tnLst>
-      <p:par>
-        <p:cTn id="1" dur="indefinite" restart="never" nodeType="tmRoot"/>
-      </p:par>
-    </p:tnLst>
-  </p:timing>
-</p:sld>
-</file>
-
 <file path=ppt/slides/slide3.xml><?xml version="1.0" encoding="utf-8"?>
 <p:sld xmlns:a="http://schemas.openxmlformats.org/drawingml/2006/main" xmlns:r="http://schemas.openxmlformats.org/officeDocument/2006/relationships" xmlns:p="http://schemas.openxmlformats.org/presentationml/2006/main">
   <p:cSld>
@@ -12795,16 +12988,7 @@
                 </a:solidFill>
                 <a:latin typeface="Cambria" panose="02040503050406030204" pitchFamily="18" charset="0"/>
               </a:rPr>
-              <a:t>Quick </a:t>
-            </a:r>
-            <a:r>
-              <a:rPr lang="en-US" sz="4000" dirty="0" smtClean="0">
-                <a:solidFill>
-                  <a:schemeClr val="bg1"/>
-                </a:solidFill>
-                <a:latin typeface="Cambria" panose="02040503050406030204" pitchFamily="18" charset="0"/>
-              </a:rPr>
-              <a:t>view of the waste management industry</a:t>
+              <a:t>Quick view of the waste management industry</a:t>
             </a:r>
           </a:p>
         </p:txBody>
@@ -13704,16 +13888,7 @@
                           </a:solidFill>
                           <a:latin typeface="Cambria" panose="02040503050406030204" pitchFamily="18" charset="0"/>
                         </a:rPr>
-                        <a:t>: World </a:t>
-                      </a:r>
-                      <a:r>
-                        <a:rPr lang="es-ES" dirty="0" smtClean="0">
-                          <a:solidFill>
-                            <a:schemeClr val="tx1"/>
-                          </a:solidFill>
-                          <a:latin typeface="Cambria" panose="02040503050406030204" pitchFamily="18" charset="0"/>
-                        </a:rPr>
-                        <a:t>Bank</a:t>
+                        <a:t>: World Bank</a:t>
                       </a:r>
                     </a:p>
                     <a:p>
@@ -13992,16 +14167,7 @@
                 </a:solidFill>
                 <a:latin typeface="Cambria" panose="02040503050406030204" pitchFamily="18" charset="0"/>
               </a:rPr>
-              <a:t>Quick </a:t>
-            </a:r>
-            <a:r>
-              <a:rPr lang="en-US" sz="4000" dirty="0" smtClean="0">
-                <a:solidFill>
-                  <a:schemeClr val="bg1"/>
-                </a:solidFill>
-                <a:latin typeface="Cambria" panose="02040503050406030204" pitchFamily="18" charset="0"/>
-              </a:rPr>
-              <a:t>view of the waste management industry</a:t>
+              <a:t>Quick view of the waste management industry</a:t>
             </a:r>
           </a:p>
         </p:txBody>
@@ -14316,29 +14482,7 @@
                 </a:solidFill>
                 <a:latin typeface="Cambria" panose="02040503050406030204" pitchFamily="18" charset="0"/>
               </a:rPr>
-              <a:t>D</a:t>
-            </a:r>
-            <a:r>
-              <a:rPr lang="en-US" b="1" dirty="0" smtClean="0">
-                <a:solidFill>
-                  <a:schemeClr val="accent4">
-                    <a:lumMod val="75000"/>
-                  </a:schemeClr>
-                </a:solidFill>
-                <a:latin typeface="Cambria" panose="02040503050406030204" pitchFamily="18" charset="0"/>
-              </a:rPr>
-              <a:t>YNAMIC </a:t>
-            </a:r>
-            <a:r>
-              <a:rPr lang="en-US" b="1" dirty="0" smtClean="0">
-                <a:solidFill>
-                  <a:schemeClr val="accent4">
-                    <a:lumMod val="75000"/>
-                  </a:schemeClr>
-                </a:solidFill>
-                <a:latin typeface="Cambria" panose="02040503050406030204" pitchFamily="18" charset="0"/>
-              </a:rPr>
-              <a:t>AND DEMAND-RESPONSIVE</a:t>
+              <a:t>DYNAMIC AND DEMAND-RESPONSIVE</a:t>
             </a:r>
           </a:p>
           <a:p>
@@ -14623,16 +14767,7 @@
                 </a:solidFill>
                 <a:latin typeface="Cambria" panose="02040503050406030204" pitchFamily="18" charset="0"/>
               </a:rPr>
-              <a:t> </a:t>
-            </a:r>
-            <a:r>
-              <a:rPr lang="es-ES" sz="4000" dirty="0" smtClean="0">
-                <a:solidFill>
-                  <a:schemeClr val="bg1"/>
-                </a:solidFill>
-                <a:latin typeface="Cambria" panose="02040503050406030204" pitchFamily="18" charset="0"/>
-              </a:rPr>
-              <a:t>and </a:t>
+              <a:t> and </a:t>
             </a:r>
             <a:r>
               <a:rPr lang="es-ES" sz="4000" dirty="0" err="1" smtClean="0">
@@ -14721,17 +14856,8 @@
               <a:rPr lang="en-US" dirty="0" smtClean="0">
                 <a:latin typeface="Cambria" panose="02040503050406030204" pitchFamily="18" charset="0"/>
               </a:rPr>
-              <a:t>WCM Information Systems </a:t>
-            </a:r>
-            <a:r>
-              <a:rPr lang="en-US" dirty="0" smtClean="0">
-                <a:latin typeface="Cambria" panose="02040503050406030204" pitchFamily="18" charset="0"/>
-              </a:rPr>
-              <a:t> (WSI)</a:t>
-            </a:r>
-            <a:endParaRPr lang="en-US" dirty="0" smtClean="0">
-              <a:latin typeface="Cambria" panose="02040503050406030204" pitchFamily="18" charset="0"/>
-            </a:endParaRPr>
+              <a:t>WCM Information Systems  (WSI)</a:t>
+            </a:r>
           </a:p>
           <a:p>
             <a:pPr marL="342900" indent="-342900" algn="l">
@@ -14890,29 +15016,7 @@
                 </a:solidFill>
                 <a:latin typeface="Cambria" panose="02040503050406030204" pitchFamily="18" charset="0"/>
               </a:rPr>
-              <a:t>Which is the “value of information” from </a:t>
-            </a:r>
-            <a:r>
-              <a:rPr lang="en-US" sz="3200" b="1" i="1" dirty="0" smtClean="0">
-                <a:solidFill>
-                  <a:schemeClr val="accent4">
-                    <a:lumMod val="75000"/>
-                  </a:schemeClr>
-                </a:solidFill>
-                <a:latin typeface="Cambria" panose="02040503050406030204" pitchFamily="18" charset="0"/>
-              </a:rPr>
-              <a:t>introducing a WCMIS</a:t>
-            </a:r>
-            <a:r>
-              <a:rPr lang="en-US" sz="3200" b="1" i="1" dirty="0" smtClean="0">
-                <a:solidFill>
-                  <a:schemeClr val="accent4">
-                    <a:lumMod val="75000"/>
-                  </a:schemeClr>
-                </a:solidFill>
-                <a:latin typeface="Cambria" panose="02040503050406030204" pitchFamily="18" charset="0"/>
-              </a:rPr>
-              <a:t> ?</a:t>
+              <a:t>Which is the “value of information” from introducing a WCMIS ?</a:t>
             </a:r>
             <a:endParaRPr lang="el-GR" sz="3200" b="1" i="1" dirty="0">
               <a:solidFill>
@@ -15102,16 +15206,7 @@
                 </a:solidFill>
                 <a:latin typeface="Cambria" panose="02040503050406030204" pitchFamily="18" charset="0"/>
               </a:rPr>
-              <a:t>Business </a:t>
-            </a:r>
-            <a:r>
-              <a:rPr lang="es-ES" sz="4000" dirty="0" smtClean="0">
-                <a:solidFill>
-                  <a:schemeClr val="bg1"/>
-                </a:solidFill>
-                <a:latin typeface="Cambria" panose="02040503050406030204" pitchFamily="18" charset="0"/>
-              </a:rPr>
-              <a:t>case</a:t>
+              <a:t>Business case</a:t>
             </a:r>
           </a:p>
         </p:txBody>
@@ -15263,13 +15358,7 @@
               <a:rPr lang="es-ES" sz="2400" b="1" dirty="0" smtClean="0">
                 <a:latin typeface="Cambria" panose="02040503050406030204" pitchFamily="18" charset="0"/>
               </a:rPr>
-              <a:t> </a:t>
-            </a:r>
-            <a:r>
-              <a:rPr lang="es-ES" sz="2400" b="1" dirty="0" smtClean="0">
-                <a:latin typeface="Cambria" panose="02040503050406030204" pitchFamily="18" charset="0"/>
-              </a:rPr>
-              <a:t>ALL </a:t>
+              <a:t> ALL </a:t>
             </a:r>
             <a:r>
               <a:rPr lang="es-ES" sz="2400" b="1" dirty="0" err="1" smtClean="0">
@@ -15296,13 +15385,7 @@
               <a:rPr lang="en-US" sz="2400" dirty="0" smtClean="0">
                 <a:latin typeface="Cambria" panose="02040503050406030204" pitchFamily="18" charset="0"/>
               </a:rPr>
-              <a:t>1.316 </a:t>
-            </a:r>
-            <a:r>
-              <a:rPr lang="en-US" sz="2400" dirty="0" smtClean="0">
-                <a:latin typeface="Cambria" panose="02040503050406030204" pitchFamily="18" charset="0"/>
-              </a:rPr>
-              <a:t>collection points (bins) =&gt; 606 if we aggregate them by location</a:t>
+              <a:t>1.316 collection points (bins) =&gt; 606 if we aggregate them by location</a:t>
             </a:r>
           </a:p>
           <a:p>
@@ -15628,12 +15711,6 @@
               </a:rPr>
               <a:t>Framework</a:t>
             </a:r>
-            <a:endParaRPr lang="es-ES" sz="4000" dirty="0" smtClean="0">
-              <a:solidFill>
-                <a:schemeClr val="bg1"/>
-              </a:solidFill>
-              <a:latin typeface="Cambria" panose="02040503050406030204" pitchFamily="18" charset="0"/>
-            </a:endParaRPr>
           </a:p>
         </p:txBody>
       </p:sp>
@@ -15820,12 +15897,6 @@
               </a:rPr>
               <a:t>case</a:t>
             </a:r>
-            <a:endParaRPr lang="es-ES" sz="4000" dirty="0" smtClean="0">
-              <a:solidFill>
-                <a:schemeClr val="bg1"/>
-              </a:solidFill>
-              <a:latin typeface="Cambria" panose="02040503050406030204" pitchFamily="18" charset="0"/>
-            </a:endParaRPr>
           </a:p>
         </p:txBody>
       </p:sp>
@@ -16220,23 +16291,8 @@
                 </a:solidFill>
                 <a:latin typeface="Cambria" panose="02040503050406030204" pitchFamily="18" charset="0"/>
               </a:rPr>
-              <a:t>case</a:t>
-            </a:r>
-            <a:r>
-              <a:rPr lang="es-ES" sz="4000" dirty="0" smtClean="0">
-                <a:solidFill>
-                  <a:schemeClr val="bg1"/>
-                </a:solidFill>
-                <a:latin typeface="Cambria" panose="02040503050406030204" pitchFamily="18" charset="0"/>
-              </a:rPr>
-              <a:t> </a:t>
-            </a:r>
-            <a:endParaRPr lang="es-ES" sz="4000" dirty="0" smtClean="0">
-              <a:solidFill>
-                <a:schemeClr val="bg1"/>
-              </a:solidFill>
-              <a:latin typeface="Cambria" panose="02040503050406030204" pitchFamily="18" charset="0"/>
-            </a:endParaRPr>
+              <a:t>case </a:t>
+            </a:r>
           </a:p>
         </p:txBody>
       </p:sp>
